--- a/presentation.pptx
+++ b/presentation.pptx
@@ -17,6 +17,7 @@
     <p:sldId id="262" r:id="rId14"/>
     <p:sldId id="263" r:id="rId15"/>
     <p:sldId id="264" r:id="rId16"/>
+    <p:sldId id="265" r:id="rId17"/>
   </p:sldIdLst>
   <p:sldSz cx="13004800" cy="9753600"/>
   <p:notesSz cx="6858000" cy="9144000"/>
@@ -1992,6 +1993,163 @@
 </p:sld>
 </file>
 
+<file path=ppt/slides/slide10.xml><?xml version="1.0" encoding="utf-8"?>
+<p:sld xmlns:a="http://schemas.openxmlformats.org/drawingml/2006/main" xmlns:r="http://schemas.openxmlformats.org/officeDocument/2006/relationships" xmlns:p="http://schemas.openxmlformats.org/presentationml/2006/main" showMasterSp="1" showMasterPhAnim="1">
+  <p:cSld>
+    <p:spTree>
+      <p:nvGrpSpPr>
+        <p:cNvPr id="1" name=""/>
+        <p:cNvGrpSpPr/>
+        <p:nvPr/>
+      </p:nvGrpSpPr>
+      <p:grpSpPr>
+        <a:xfrm>
+          <a:off x="0" y="0"/>
+          <a:ext cx="0" cy="0"/>
+          <a:chOff x="0" y="0"/>
+          <a:chExt cx="0" cy="0"/>
+        </a:xfrm>
+      </p:grpSpPr>
+      <p:pic>
+        <p:nvPicPr>
+          <p:cNvPr id="79" name="xixi.jpg"/>
+          <p:cNvPicPr/>
+          <p:nvPr/>
+        </p:nvPicPr>
+        <p:blipFill>
+          <a:blip r:embed="rId2">
+            <a:extLst/>
+          </a:blip>
+          <a:srcRect l="0" t="0" r="0" b="0"/>
+          <a:stretch>
+            <a:fillRect/>
+          </a:stretch>
+        </p:blipFill>
+        <p:spPr>
+          <a:xfrm>
+            <a:off x="6776107" y="254347"/>
+            <a:ext cx="6126634" cy="9753601"/>
+          </a:xfrm>
+          <a:prstGeom prst="rect">
+            <a:avLst/>
+          </a:prstGeom>
+          <a:ln w="12700">
+            <a:miter lim="400000"/>
+          </a:ln>
+        </p:spPr>
+      </p:pic>
+      <p:pic>
+        <p:nvPicPr>
+          <p:cNvPr id="80" name="xixi.jpg"/>
+          <p:cNvPicPr/>
+          <p:nvPr/>
+        </p:nvPicPr>
+        <p:blipFill>
+          <a:blip r:embed="rId2">
+            <a:extLst/>
+          </a:blip>
+          <a:srcRect l="0" t="0" r="0" b="0"/>
+          <a:stretch>
+            <a:fillRect/>
+          </a:stretch>
+        </p:blipFill>
+        <p:spPr>
+          <a:xfrm>
+            <a:off x="6649107" y="127347"/>
+            <a:ext cx="6126634" cy="9753601"/>
+          </a:xfrm>
+          <a:prstGeom prst="rect">
+            <a:avLst/>
+          </a:prstGeom>
+          <a:ln w="12700">
+            <a:miter lim="400000"/>
+          </a:ln>
+        </p:spPr>
+      </p:pic>
+      <p:pic>
+        <p:nvPicPr>
+          <p:cNvPr id="81" name="battlefield.png"/>
+          <p:cNvPicPr/>
+          <p:nvPr/>
+        </p:nvPicPr>
+        <p:blipFill>
+          <a:blip r:embed="rId3">
+            <a:extLst/>
+          </a:blip>
+          <a:stretch>
+            <a:fillRect/>
+          </a:stretch>
+        </p:blipFill>
+        <p:spPr>
+          <a:xfrm>
+            <a:off x="5372100" y="3009900"/>
+            <a:ext cx="2540000" cy="2540000"/>
+          </a:xfrm>
+          <a:prstGeom prst="rect">
+            <a:avLst/>
+          </a:prstGeom>
+          <a:ln w="12700">
+            <a:miter lim="400000"/>
+          </a:ln>
+        </p:spPr>
+      </p:pic>
+      <p:sp>
+        <p:nvSpPr>
+          <p:cNvPr id="82" name="Shape 82"/>
+          <p:cNvSpPr/>
+          <p:nvPr/>
+        </p:nvSpPr>
+        <p:spPr>
+          <a:xfrm>
+            <a:off x="4539614" y="5707437"/>
+            <a:ext cx="4204971" cy="1485901"/>
+          </a:xfrm>
+          <a:prstGeom prst="rect">
+            <a:avLst/>
+          </a:prstGeom>
+          <a:ln w="12700">
+            <a:miter lim="400000"/>
+          </a:ln>
+          <a:extLst>
+            <a:ext uri="{C572A759-6A51-4108-AA02-DFA0A04FC94B}">
+              <ma14:wrappingTextBoxFlag xmlns:ma14="http://schemas.microsoft.com/office/mac/drawingml/2011/main" val="1"/>
+            </a:ext>
+          </a:extLst>
+        </p:spPr>
+        <p:txBody>
+          <a:bodyPr wrap="none" lIns="50800" tIns="50800" rIns="50800" bIns="50800" anchor="ctr">
+            <a:spAutoFit/>
+          </a:bodyPr>
+          <a:lstStyle>
+            <a:lvl1pPr>
+              <a:defRPr sz="10000">
+                <a:latin typeface="Marker Felt"/>
+                <a:ea typeface="Marker Felt"/>
+                <a:cs typeface="Marker Felt"/>
+                <a:sym typeface="Marker Felt"/>
+              </a:defRPr>
+            </a:lvl1pPr>
+          </a:lstStyle>
+          <a:p>
+            <a:pPr lvl="0">
+              <a:defRPr sz="1800"/>
+            </a:pPr>
+            <a:r>
+              <a:rPr sz="10000"/>
+              <a:t>VentHub</a:t>
+            </a:r>
+          </a:p>
+        </p:txBody>
+      </p:sp>
+    </p:spTree>
+  </p:cSld>
+  <p:clrMapOvr>
+    <a:masterClrMapping/>
+  </p:clrMapOvr>
+  <p:transition spd="med" advClick="1"/>
+</p:sld>
+</file>
+
 <file path=ppt/slides/slide2.xml><?xml version="1.0" encoding="utf-8"?>
 <p:sld xmlns:a="http://schemas.openxmlformats.org/drawingml/2006/main" xmlns:r="http://schemas.openxmlformats.org/officeDocument/2006/relationships" xmlns:p="http://schemas.openxmlformats.org/presentationml/2006/main" showMasterSp="1" showMasterPhAnim="1">
   <p:cSld>
@@ -2630,7 +2788,7 @@
         </p:blipFill>
         <p:spPr>
           <a:xfrm>
-            <a:off x="6776107" y="0"/>
+            <a:off x="6776107" y="12700"/>
             <a:ext cx="6126634" cy="9753601"/>
           </a:xfrm>
           <a:prstGeom prst="rect">
@@ -2643,7 +2801,7 @@
       </p:pic>
       <p:pic>
         <p:nvPicPr>
-          <p:cNvPr id="54" name="屏幕快照 2015-04-01 下午11.03.09.png"/>
+          <p:cNvPr id="54" name="屏幕快照 2015-04-01 下午11.03.54.png"/>
           <p:cNvPicPr/>
           <p:nvPr/>
         </p:nvPicPr>
@@ -2657,89 +2815,8 @@
         </p:blipFill>
         <p:spPr>
           <a:xfrm>
-            <a:off x="428752" y="2169710"/>
-            <a:ext cx="3368431" cy="5414180"/>
-          </a:xfrm>
-          <a:prstGeom prst="rect">
-            <a:avLst/>
-          </a:prstGeom>
-          <a:ln w="12700">
-            <a:miter lim="400000"/>
-          </a:ln>
-        </p:spPr>
-      </p:pic>
-      <p:pic>
-        <p:nvPicPr>
-          <p:cNvPr id="55" name="屏幕快照 2015-04-01 下午11.03.54.png"/>
-          <p:cNvPicPr/>
-          <p:nvPr/>
-        </p:nvPicPr>
-        <p:blipFill>
-          <a:blip r:embed="rId4">
-            <a:extLst/>
-          </a:blip>
-          <a:stretch>
-            <a:fillRect/>
-          </a:stretch>
-        </p:blipFill>
-        <p:spPr>
-          <a:xfrm>
-            <a:off x="3230907" y="2138513"/>
-            <a:ext cx="3407250" cy="5476574"/>
-          </a:xfrm>
-          <a:prstGeom prst="rect">
-            <a:avLst/>
-          </a:prstGeom>
-          <a:ln w="12700">
-            <a:miter lim="400000"/>
-          </a:ln>
-        </p:spPr>
-      </p:pic>
-      <p:pic>
-        <p:nvPicPr>
-          <p:cNvPr id="56" name="屏幕快照 2015-04-01 下午11.04.07.png"/>
-          <p:cNvPicPr/>
-          <p:nvPr/>
-        </p:nvPicPr>
-        <p:blipFill>
-          <a:blip r:embed="rId5">
-            <a:extLst/>
-          </a:blip>
-          <a:stretch>
-            <a:fillRect/>
-          </a:stretch>
-        </p:blipFill>
-        <p:spPr>
-          <a:xfrm>
-            <a:off x="6028763" y="2089058"/>
-            <a:ext cx="3468788" cy="5575485"/>
-          </a:xfrm>
-          <a:prstGeom prst="rect">
-            <a:avLst/>
-          </a:prstGeom>
-          <a:ln w="12700">
-            <a:miter lim="400000"/>
-          </a:ln>
-        </p:spPr>
-      </p:pic>
-      <p:pic>
-        <p:nvPicPr>
-          <p:cNvPr id="57" name="屏幕快照 2015-04-01 下午11.04.29.png"/>
-          <p:cNvPicPr/>
-          <p:nvPr/>
-        </p:nvPicPr>
-        <p:blipFill>
-          <a:blip r:embed="rId6">
-            <a:extLst/>
-          </a:blip>
-          <a:stretch>
-            <a:fillRect/>
-          </a:stretch>
-        </p:blipFill>
-        <p:spPr>
-          <a:xfrm>
-            <a:off x="9056399" y="2048182"/>
-            <a:ext cx="3519649" cy="5657236"/>
+            <a:off x="8546812" y="2138513"/>
+            <a:ext cx="3407249" cy="5476574"/>
           </a:xfrm>
           <a:prstGeom prst="rect">
             <a:avLst/>
@@ -2751,7 +2828,7 @@
       </p:pic>
       <p:sp>
         <p:nvSpPr>
-          <p:cNvPr id="58" name="Shape 58"/>
+          <p:cNvPr id="55" name="Shape 55"/>
           <p:cNvSpPr/>
           <p:nvPr/>
         </p:nvSpPr>
@@ -2797,6 +2874,60 @@
           </a:p>
         </p:txBody>
       </p:sp>
+      <p:pic>
+        <p:nvPicPr>
+          <p:cNvPr id="56" name="屏幕快照 2015-04-02 上午8.15.32.png"/>
+          <p:cNvPicPr/>
+          <p:nvPr/>
+        </p:nvPicPr>
+        <p:blipFill>
+          <a:blip r:embed="rId4">
+            <a:extLst/>
+          </a:blip>
+          <a:stretch>
+            <a:fillRect/>
+          </a:stretch>
+        </p:blipFill>
+        <p:spPr>
+          <a:xfrm>
+            <a:off x="4925433" y="2138513"/>
+            <a:ext cx="3407250" cy="5476574"/>
+          </a:xfrm>
+          <a:prstGeom prst="rect">
+            <a:avLst/>
+          </a:prstGeom>
+          <a:ln w="12700">
+            <a:miter lim="400000"/>
+          </a:ln>
+        </p:spPr>
+      </p:pic>
+      <p:pic>
+        <p:nvPicPr>
+          <p:cNvPr id="57" name="屏幕快照 2015-04-02 上午8.15.44.png"/>
+          <p:cNvPicPr/>
+          <p:nvPr/>
+        </p:nvPicPr>
+        <p:blipFill>
+          <a:blip r:embed="rId5">
+            <a:extLst/>
+          </a:blip>
+          <a:stretch>
+            <a:fillRect/>
+          </a:stretch>
+        </p:blipFill>
+        <p:spPr>
+          <a:xfrm>
+            <a:off x="1304054" y="2138513"/>
+            <a:ext cx="3407249" cy="5476574"/>
+          </a:xfrm>
+          <a:prstGeom prst="rect">
+            <a:avLst/>
+          </a:prstGeom>
+          <a:ln w="12700">
+            <a:miter lim="400000"/>
+          </a:ln>
+        </p:spPr>
+      </p:pic>
     </p:spTree>
   </p:cSld>
   <p:clrMapOvr>
@@ -2825,7 +2956,7 @@
       </p:grpSpPr>
       <p:pic>
         <p:nvPicPr>
-          <p:cNvPr id="60" name="xixi.jpg"/>
+          <p:cNvPr id="59" name="xixi.jpg"/>
           <p:cNvPicPr/>
           <p:nvPr/>
         </p:nvPicPr>
@@ -2853,7 +2984,7 @@
       </p:pic>
       <p:sp>
         <p:nvSpPr>
-          <p:cNvPr id="61" name="Shape 61"/>
+          <p:cNvPr id="60" name="Shape 60"/>
           <p:cNvSpPr/>
           <p:nvPr/>
         </p:nvSpPr>
@@ -2901,7 +3032,7 @@
       </p:sp>
       <p:pic>
         <p:nvPicPr>
-          <p:cNvPr id="62" name="屏幕快照 2015-04-01 下午11.04.43.png"/>
+          <p:cNvPr id="61" name="屏幕快照 2015-04-01 下午11.04.07.png"/>
           <p:cNvPicPr/>
           <p:nvPr/>
         </p:nvPicPr>
@@ -2915,8 +3046,8 @@
         </p:blipFill>
         <p:spPr>
           <a:xfrm>
-            <a:off x="7379" y="1404081"/>
-            <a:ext cx="3454166" cy="5551982"/>
+            <a:off x="511499" y="2275925"/>
+            <a:ext cx="3468787" cy="5575485"/>
           </a:xfrm>
           <a:prstGeom prst="rect">
             <a:avLst/>
@@ -2928,7 +3059,7 @@
       </p:pic>
       <p:pic>
         <p:nvPicPr>
-          <p:cNvPr id="63" name="屏幕快照 2015-04-01 下午11.04.52.png"/>
+          <p:cNvPr id="62" name="屏幕快照 2015-04-01 下午11.04.29.png"/>
           <p:cNvPicPr/>
           <p:nvPr/>
         </p:nvPicPr>
@@ -2942,8 +3073,8 @@
         </p:blipFill>
         <p:spPr>
           <a:xfrm>
-            <a:off x="2927467" y="1416184"/>
-            <a:ext cx="3454165" cy="5551984"/>
+            <a:off x="3284079" y="2287676"/>
+            <a:ext cx="3454166" cy="5551982"/>
           </a:xfrm>
           <a:prstGeom prst="rect">
             <a:avLst/>
@@ -2955,7 +3086,7 @@
       </p:pic>
       <p:pic>
         <p:nvPicPr>
-          <p:cNvPr id="64" name="屏幕快照 2015-04-01 下午11.06.39.png"/>
+          <p:cNvPr id="63" name="屏幕快照 2015-04-01 下午11.04.43.png"/>
           <p:cNvPicPr/>
           <p:nvPr/>
         </p:nvPicPr>
@@ -2969,8 +3100,8 @@
         </p:blipFill>
         <p:spPr>
           <a:xfrm>
-            <a:off x="5962339" y="1416184"/>
-            <a:ext cx="3454166" cy="5551984"/>
+            <a:off x="6034756" y="2287676"/>
+            <a:ext cx="3454165" cy="5551982"/>
           </a:xfrm>
           <a:prstGeom prst="rect">
             <a:avLst/>
@@ -2982,7 +3113,7 @@
       </p:pic>
       <p:pic>
         <p:nvPicPr>
-          <p:cNvPr id="65" name="屏幕快照 2015-04-01 下午11.08.16.png"/>
+          <p:cNvPr id="64" name="屏幕快照 2015-04-01 下午11.04.52.png"/>
           <p:cNvPicPr/>
           <p:nvPr/>
         </p:nvPicPr>
@@ -2996,7 +3127,136 @@
         </p:blipFill>
         <p:spPr>
           <a:xfrm>
-            <a:off x="9175919" y="1416184"/>
+            <a:off x="8820603" y="2287676"/>
+            <a:ext cx="3454166" cy="5551983"/>
+          </a:xfrm>
+          <a:prstGeom prst="rect">
+            <a:avLst/>
+          </a:prstGeom>
+          <a:ln w="12700">
+            <a:miter lim="400000"/>
+          </a:ln>
+        </p:spPr>
+      </p:pic>
+    </p:spTree>
+  </p:cSld>
+  <p:clrMapOvr>
+    <a:masterClrMapping/>
+  </p:clrMapOvr>
+  <p:transition spd="med" advClick="1"/>
+</p:sld>
+</file>
+
+<file path=ppt/slides/slide8.xml><?xml version="1.0" encoding="utf-8"?>
+<p:sld xmlns:a="http://schemas.openxmlformats.org/drawingml/2006/main" xmlns:r="http://schemas.openxmlformats.org/officeDocument/2006/relationships" xmlns:p="http://schemas.openxmlformats.org/presentationml/2006/main" showMasterSp="1" showMasterPhAnim="1">
+  <p:cSld>
+    <p:spTree>
+      <p:nvGrpSpPr>
+        <p:cNvPr id="1" name=""/>
+        <p:cNvGrpSpPr/>
+        <p:nvPr/>
+      </p:nvGrpSpPr>
+      <p:grpSpPr>
+        <a:xfrm>
+          <a:off x="0" y="0"/>
+          <a:ext cx="0" cy="0"/>
+          <a:chOff x="0" y="0"/>
+          <a:chExt cx="0" cy="0"/>
+        </a:xfrm>
+      </p:grpSpPr>
+      <p:pic>
+        <p:nvPicPr>
+          <p:cNvPr id="66" name="xixi.jpg"/>
+          <p:cNvPicPr/>
+          <p:nvPr/>
+        </p:nvPicPr>
+        <p:blipFill>
+          <a:blip r:embed="rId2">
+            <a:extLst/>
+          </a:blip>
+          <a:srcRect l="0" t="0" r="0" b="0"/>
+          <a:stretch>
+            <a:fillRect/>
+          </a:stretch>
+        </p:blipFill>
+        <p:spPr>
+          <a:xfrm>
+            <a:off x="6776107" y="0"/>
+            <a:ext cx="6126634" cy="9753601"/>
+          </a:xfrm>
+          <a:prstGeom prst="rect">
+            <a:avLst/>
+          </a:prstGeom>
+          <a:ln w="12700">
+            <a:miter lim="400000"/>
+          </a:ln>
+        </p:spPr>
+      </p:pic>
+      <p:sp>
+        <p:nvSpPr>
+          <p:cNvPr id="67" name="Shape 67"/>
+          <p:cNvSpPr/>
+          <p:nvPr/>
+        </p:nvSpPr>
+        <p:spPr>
+          <a:xfrm>
+            <a:off x="558185" y="521740"/>
+            <a:ext cx="2440128" cy="914401"/>
+          </a:xfrm>
+          <a:prstGeom prst="rect">
+            <a:avLst/>
+          </a:prstGeom>
+          <a:ln w="12700">
+            <a:miter lim="400000"/>
+          </a:ln>
+          <a:extLst>
+            <a:ext uri="{C572A759-6A51-4108-AA02-DFA0A04FC94B}">
+              <ma14:wrappingTextBoxFlag xmlns:ma14="http://schemas.microsoft.com/office/mac/drawingml/2011/main" val="1"/>
+            </a:ext>
+          </a:extLst>
+        </p:spPr>
+        <p:txBody>
+          <a:bodyPr wrap="none" lIns="50800" tIns="50800" rIns="50800" bIns="50800" anchor="ctr">
+            <a:spAutoFit/>
+          </a:bodyPr>
+          <a:lstStyle>
+            <a:lvl1pPr>
+              <a:defRPr sz="5900">
+                <a:latin typeface="Marker Felt"/>
+                <a:ea typeface="Marker Felt"/>
+                <a:cs typeface="Marker Felt"/>
+                <a:sym typeface="Marker Felt"/>
+              </a:defRPr>
+            </a:lvl1pPr>
+          </a:lstStyle>
+          <a:p>
+            <a:pPr lvl="0">
+              <a:defRPr sz="1800"/>
+            </a:pPr>
+            <a:r>
+              <a:rPr sz="5900"/>
+              <a:t>Screens</a:t>
+            </a:r>
+          </a:p>
+        </p:txBody>
+      </p:sp>
+      <p:pic>
+        <p:nvPicPr>
+          <p:cNvPr id="68" name="屏幕快照 2015-04-01 下午11.06.39.png"/>
+          <p:cNvPicPr/>
+          <p:nvPr/>
+        </p:nvPicPr>
+        <p:blipFill>
+          <a:blip r:embed="rId3">
+            <a:extLst/>
+          </a:blip>
+          <a:stretch>
+            <a:fillRect/>
+          </a:stretch>
+        </p:blipFill>
+        <p:spPr>
+          <a:xfrm>
+            <a:off x="3478899" y="1416184"/>
             <a:ext cx="3454166" cy="5551984"/>
           </a:xfrm>
           <a:prstGeom prst="rect">
@@ -3009,12 +3269,12 @@
       </p:pic>
       <p:pic>
         <p:nvPicPr>
-          <p:cNvPr id="66" name="屏幕快照 2015-04-01 下午11.08.58.png"/>
+          <p:cNvPr id="69" name="屏幕快照 2015-04-01 下午11.08.16.png"/>
           <p:cNvPicPr/>
           <p:nvPr/>
         </p:nvPicPr>
         <p:blipFill>
-          <a:blip r:embed="rId7">
+          <a:blip r:embed="rId4">
             <a:extLst/>
           </a:blip>
           <a:stretch>
@@ -3023,7 +3283,61 @@
         </p:blipFill>
         <p:spPr>
           <a:xfrm>
-            <a:off x="4433629" y="4390873"/>
+            <a:off x="6356879" y="1416184"/>
+            <a:ext cx="3454166" cy="5551984"/>
+          </a:xfrm>
+          <a:prstGeom prst="rect">
+            <a:avLst/>
+          </a:prstGeom>
+          <a:ln w="12700">
+            <a:miter lim="400000"/>
+          </a:ln>
+        </p:spPr>
+      </p:pic>
+      <p:pic>
+        <p:nvPicPr>
+          <p:cNvPr id="70" name="屏幕快照 2015-04-01 下午11.08.58.png"/>
+          <p:cNvPicPr/>
+          <p:nvPr/>
+        </p:nvPicPr>
+        <p:blipFill>
+          <a:blip r:embed="rId5">
+            <a:extLst/>
+          </a:blip>
+          <a:stretch>
+            <a:fillRect/>
+          </a:stretch>
+        </p:blipFill>
+        <p:spPr>
+          <a:xfrm>
+            <a:off x="9239421" y="1416184"/>
+            <a:ext cx="3454166" cy="5551984"/>
+          </a:xfrm>
+          <a:prstGeom prst="rect">
+            <a:avLst/>
+          </a:prstGeom>
+          <a:ln w="12700">
+            <a:miter lim="400000"/>
+          </a:ln>
+        </p:spPr>
+      </p:pic>
+      <p:pic>
+        <p:nvPicPr>
+          <p:cNvPr id="71" name="屏幕快照 2015-04-02 上午8.18.06.png"/>
+          <p:cNvPicPr/>
+          <p:nvPr/>
+        </p:nvPicPr>
+        <p:blipFill>
+          <a:blip r:embed="rId6">
+            <a:extLst/>
+          </a:blip>
+          <a:stretch>
+            <a:fillRect/>
+          </a:stretch>
+        </p:blipFill>
+        <p:spPr>
+          <a:xfrm>
+            <a:off x="561278" y="1416184"/>
             <a:ext cx="3454166" cy="5551984"/>
           </a:xfrm>
           <a:prstGeom prst="rect">
@@ -3073,7 +3387,7 @@
                                       <p:cBhvr>
                                         <p:cTn id="6" fill="hold"/>
                                         <p:tgtEl>
-                                          <p:spTgt spid="66"/>
+                                          <p:spTgt spid="70"/>
                                         </p:tgtEl>
                                         <p:attrNameLst>
                                           <p:attrName>style.visibility</p:attrName>
@@ -3087,7 +3401,7 @@
                                       <p:cBhvr>
                                         <p:cTn id="7" dur="1500" fill="hold"/>
                                         <p:tgtEl>
-                                          <p:spTgt spid="66"/>
+                                          <p:spTgt spid="70"/>
                                         </p:tgtEl>
                                         <p:attrNameLst>
                                           <p:attrName>ppt_x</p:attrName>
@@ -3110,7 +3424,7 @@
                                       <p:cBhvr>
                                         <p:cTn id="8" dur="1500" fill="hold"/>
                                         <p:tgtEl>
-                                          <p:spTgt spid="66"/>
+                                          <p:spTgt spid="70"/>
                                         </p:tgtEl>
                                         <p:attrNameLst>
                                           <p:attrName>ppt_y</p:attrName>
@@ -3160,13 +3474,13 @@
       </p:par>
     </p:tnLst>
     <p:bldLst>
-      <p:bldP build="whole" bldLvl="1" animBg="1" rev="0" advAuto="0" spid="66" grpId="1"/>
+      <p:bldP build="whole" bldLvl="1" animBg="1" rev="0" advAuto="0" spid="70" grpId="1"/>
     </p:bldLst>
   </p:timing>
 </p:sld>
 </file>
 
-<file path=ppt/slides/slide8.xml><?xml version="1.0" encoding="utf-8"?>
+<file path=ppt/slides/slide9.xml><?xml version="1.0" encoding="utf-8"?>
 <p:sld xmlns:a="http://schemas.openxmlformats.org/drawingml/2006/main" xmlns:r="http://schemas.openxmlformats.org/officeDocument/2006/relationships" xmlns:p="http://schemas.openxmlformats.org/presentationml/2006/main" showMasterSp="1" showMasterPhAnim="1">
   <p:cSld>
     <p:spTree>
@@ -3185,7 +3499,7 @@
       </p:grpSpPr>
       <p:pic>
         <p:nvPicPr>
-          <p:cNvPr id="68" name="xixi.jpg"/>
+          <p:cNvPr id="73" name="xixi.jpg"/>
           <p:cNvPicPr/>
           <p:nvPr/>
         </p:nvPicPr>
@@ -3213,7 +3527,7 @@
       </p:pic>
       <p:sp>
         <p:nvSpPr>
-          <p:cNvPr id="69" name="Shape 69"/>
+          <p:cNvPr id="74" name="Shape 74"/>
           <p:cNvSpPr/>
           <p:nvPr/>
         </p:nvSpPr>
@@ -3261,7 +3575,7 @@
       </p:sp>
       <p:sp>
         <p:nvSpPr>
-          <p:cNvPr id="70" name="Shape 70"/>
+          <p:cNvPr id="75" name="Shape 75"/>
           <p:cNvSpPr/>
           <p:nvPr/>
         </p:nvSpPr>
@@ -3300,7 +3614,7 @@
       </p:sp>
       <p:sp>
         <p:nvSpPr>
-          <p:cNvPr id="71" name="Shape 71"/>
+          <p:cNvPr id="76" name="Shape 76"/>
           <p:cNvSpPr/>
           <p:nvPr/>
         </p:nvSpPr>
@@ -3339,7 +3653,7 @@
       </p:sp>
       <p:sp>
         <p:nvSpPr>
-          <p:cNvPr id="72" name="Shape 72"/>
+          <p:cNvPr id="77" name="Shape 77"/>
           <p:cNvSpPr/>
           <p:nvPr/>
         </p:nvSpPr>
@@ -3372,163 +3686,6 @@
             <a:r>
               <a:rPr sz="3600"/>
               <a:t>Make it better in detail</a:t>
-            </a:r>
-          </a:p>
-        </p:txBody>
-      </p:sp>
-    </p:spTree>
-  </p:cSld>
-  <p:clrMapOvr>
-    <a:masterClrMapping/>
-  </p:clrMapOvr>
-  <p:transition spd="med" advClick="1"/>
-</p:sld>
-</file>
-
-<file path=ppt/slides/slide9.xml><?xml version="1.0" encoding="utf-8"?>
-<p:sld xmlns:a="http://schemas.openxmlformats.org/drawingml/2006/main" xmlns:r="http://schemas.openxmlformats.org/officeDocument/2006/relationships" xmlns:p="http://schemas.openxmlformats.org/presentationml/2006/main" showMasterSp="1" showMasterPhAnim="1">
-  <p:cSld>
-    <p:spTree>
-      <p:nvGrpSpPr>
-        <p:cNvPr id="1" name=""/>
-        <p:cNvGrpSpPr/>
-        <p:nvPr/>
-      </p:nvGrpSpPr>
-      <p:grpSpPr>
-        <a:xfrm>
-          <a:off x="0" y="0"/>
-          <a:ext cx="0" cy="0"/>
-          <a:chOff x="0" y="0"/>
-          <a:chExt cx="0" cy="0"/>
-        </a:xfrm>
-      </p:grpSpPr>
-      <p:pic>
-        <p:nvPicPr>
-          <p:cNvPr id="74" name="xixi.jpg"/>
-          <p:cNvPicPr/>
-          <p:nvPr/>
-        </p:nvPicPr>
-        <p:blipFill>
-          <a:blip r:embed="rId2">
-            <a:extLst/>
-          </a:blip>
-          <a:srcRect l="0" t="0" r="0" b="0"/>
-          <a:stretch>
-            <a:fillRect/>
-          </a:stretch>
-        </p:blipFill>
-        <p:spPr>
-          <a:xfrm>
-            <a:off x="6776107" y="254347"/>
-            <a:ext cx="6126634" cy="9753601"/>
-          </a:xfrm>
-          <a:prstGeom prst="rect">
-            <a:avLst/>
-          </a:prstGeom>
-          <a:ln w="12700">
-            <a:miter lim="400000"/>
-          </a:ln>
-        </p:spPr>
-      </p:pic>
-      <p:pic>
-        <p:nvPicPr>
-          <p:cNvPr id="75" name="xixi.jpg"/>
-          <p:cNvPicPr/>
-          <p:nvPr/>
-        </p:nvPicPr>
-        <p:blipFill>
-          <a:blip r:embed="rId2">
-            <a:extLst/>
-          </a:blip>
-          <a:srcRect l="0" t="0" r="0" b="0"/>
-          <a:stretch>
-            <a:fillRect/>
-          </a:stretch>
-        </p:blipFill>
-        <p:spPr>
-          <a:xfrm>
-            <a:off x="6649107" y="127347"/>
-            <a:ext cx="6126634" cy="9753601"/>
-          </a:xfrm>
-          <a:prstGeom prst="rect">
-            <a:avLst/>
-          </a:prstGeom>
-          <a:ln w="12700">
-            <a:miter lim="400000"/>
-          </a:ln>
-        </p:spPr>
-      </p:pic>
-      <p:pic>
-        <p:nvPicPr>
-          <p:cNvPr id="76" name="battlefield.png"/>
-          <p:cNvPicPr/>
-          <p:nvPr/>
-        </p:nvPicPr>
-        <p:blipFill>
-          <a:blip r:embed="rId3">
-            <a:extLst/>
-          </a:blip>
-          <a:stretch>
-            <a:fillRect/>
-          </a:stretch>
-        </p:blipFill>
-        <p:spPr>
-          <a:xfrm>
-            <a:off x="5372100" y="3009900"/>
-            <a:ext cx="2540000" cy="2540000"/>
-          </a:xfrm>
-          <a:prstGeom prst="rect">
-            <a:avLst/>
-          </a:prstGeom>
-          <a:ln w="12700">
-            <a:miter lim="400000"/>
-          </a:ln>
-        </p:spPr>
-      </p:pic>
-      <p:sp>
-        <p:nvSpPr>
-          <p:cNvPr id="77" name="Shape 77"/>
-          <p:cNvSpPr/>
-          <p:nvPr/>
-        </p:nvSpPr>
-        <p:spPr>
-          <a:xfrm>
-            <a:off x="4539614" y="5707437"/>
-            <a:ext cx="4204971" cy="1485901"/>
-          </a:xfrm>
-          <a:prstGeom prst="rect">
-            <a:avLst/>
-          </a:prstGeom>
-          <a:ln w="12700">
-            <a:miter lim="400000"/>
-          </a:ln>
-          <a:extLst>
-            <a:ext uri="{C572A759-6A51-4108-AA02-DFA0A04FC94B}">
-              <ma14:wrappingTextBoxFlag xmlns:ma14="http://schemas.microsoft.com/office/mac/drawingml/2011/main" val="1"/>
-            </a:ext>
-          </a:extLst>
-        </p:spPr>
-        <p:txBody>
-          <a:bodyPr wrap="none" lIns="50800" tIns="50800" rIns="50800" bIns="50800" anchor="ctr">
-            <a:spAutoFit/>
-          </a:bodyPr>
-          <a:lstStyle>
-            <a:lvl1pPr>
-              <a:defRPr sz="10000">
-                <a:latin typeface="Marker Felt"/>
-                <a:ea typeface="Marker Felt"/>
-                <a:cs typeface="Marker Felt"/>
-                <a:sym typeface="Marker Felt"/>
-              </a:defRPr>
-            </a:lvl1pPr>
-          </a:lstStyle>
-          <a:p>
-            <a:pPr lvl="0">
-              <a:defRPr sz="1800"/>
-            </a:pPr>
-            <a:r>
-              <a:rPr sz="10000"/>
-              <a:t>VentHub</a:t>
             </a:r>
           </a:p>
         </p:txBody>
